--- a/Презент.pptx
+++ b/Презент.pptx
@@ -6,9 +6,8 @@
   </p:sldMasterIdLst>
   <p:sldIdLst>
     <p:sldId id="256" r:id="rId2"/>
-    <p:sldId id="258" r:id="rId3"/>
-    <p:sldId id="260" r:id="rId4"/>
-    <p:sldId id="259" r:id="rId5"/>
+    <p:sldId id="260" r:id="rId3"/>
+    <p:sldId id="259" r:id="rId4"/>
   </p:sldIdLst>
   <p:sldSz cx="9144000" cy="6858000" type="screen4x3"/>
   <p:notesSz cx="6858000" cy="9144000"/>
@@ -107,6 +106,22 @@
       </a:defRPr>
     </a:lvl9pPr>
   </p:defaultTextStyle>
+  <p:extLst>
+    <p:ext uri="{EFAFB233-063F-42B5-8137-9DF3F51BA10A}">
+      <p15:sldGuideLst xmlns:p15="http://schemas.microsoft.com/office/powerpoint/2012/main">
+        <p15:guide id="1" orient="horz" pos="2160">
+          <p15:clr>
+            <a:srgbClr val="A4A3A4"/>
+          </p15:clr>
+        </p15:guide>
+        <p15:guide id="2" pos="2880">
+          <p15:clr>
+            <a:srgbClr val="A4A3A4"/>
+          </p15:clr>
+        </p15:guide>
+      </p15:sldGuideLst>
+    </p:ext>
+  </p:extLst>
 </p:presentation>
 </file>
 
@@ -366,7 +381,7 @@
           </a:lstStyle>
           <a:p>
             <a:r>
-              <a:rPr kumimoji="0" lang="ru-RU" smtClean="0"/>
+              <a:rPr kumimoji="0" lang="ru-RU"/>
               <a:t>Образец подзаголовка</a:t>
             </a:r>
             <a:endParaRPr kumimoji="0" lang="en-US"/>
@@ -391,7 +406,7 @@
             <a:fld id="{735973B7-B358-4B73-87B2-BEB43C4D2BDB}" type="datetimeFigureOut">
               <a:rPr lang="ru-RU" smtClean="0"/>
               <a:pPr/>
-              <a:t>04.02.2020</a:t>
+              <a:t>05.02.2020</a:t>
             </a:fld>
             <a:endParaRPr lang="ru-RU"/>
           </a:p>
@@ -656,7 +671,7 @@
           </a:lstStyle>
           <a:p>
             <a:r>
-              <a:rPr kumimoji="0" lang="ru-RU" smtClean="0"/>
+              <a:rPr kumimoji="0" lang="ru-RU"/>
               <a:t>Образец заголовка</a:t>
             </a:r>
             <a:endParaRPr kumimoji="0" lang="en-US"/>
@@ -709,7 +724,7 @@
           <a:lstStyle/>
           <a:p>
             <a:r>
-              <a:rPr kumimoji="0" lang="ru-RU" smtClean="0"/>
+              <a:rPr kumimoji="0" lang="ru-RU"/>
               <a:t>Образец заголовка</a:t>
             </a:r>
             <a:endParaRPr kumimoji="0" lang="en-US"/>
@@ -733,35 +748,35 @@
           <a:p>
             <a:pPr lvl="0" eaLnBrk="1" latinLnBrk="0" hangingPunct="1"/>
             <a:r>
-              <a:rPr lang="ru-RU" smtClean="0"/>
+              <a:rPr lang="ru-RU"/>
               <a:t>Образец текста</a:t>
             </a:r>
           </a:p>
           <a:p>
             <a:pPr lvl="1" eaLnBrk="1" latinLnBrk="0" hangingPunct="1"/>
             <a:r>
-              <a:rPr lang="ru-RU" smtClean="0"/>
+              <a:rPr lang="ru-RU"/>
               <a:t>Второй уровень</a:t>
             </a:r>
           </a:p>
           <a:p>
             <a:pPr lvl="2" eaLnBrk="1" latinLnBrk="0" hangingPunct="1"/>
             <a:r>
-              <a:rPr lang="ru-RU" smtClean="0"/>
+              <a:rPr lang="ru-RU"/>
               <a:t>Третий уровень</a:t>
             </a:r>
           </a:p>
           <a:p>
             <a:pPr lvl="3" eaLnBrk="1" latinLnBrk="0" hangingPunct="1"/>
             <a:r>
-              <a:rPr lang="ru-RU" smtClean="0"/>
+              <a:rPr lang="ru-RU"/>
               <a:t>Четвертый уровень</a:t>
             </a:r>
           </a:p>
           <a:p>
             <a:pPr lvl="4" eaLnBrk="1" latinLnBrk="0" hangingPunct="1"/>
             <a:r>
-              <a:rPr lang="ru-RU" smtClean="0"/>
+              <a:rPr lang="ru-RU"/>
               <a:t>Пятый уровень</a:t>
             </a:r>
             <a:endParaRPr kumimoji="0" lang="en-US"/>
@@ -786,7 +801,7 @@
             <a:fld id="{735973B7-B358-4B73-87B2-BEB43C4D2BDB}" type="datetimeFigureOut">
               <a:rPr lang="ru-RU" smtClean="0"/>
               <a:pPr/>
-              <a:t>04.02.2020</a:t>
+              <a:t>05.02.2020</a:t>
             </a:fld>
             <a:endParaRPr lang="ru-RU"/>
           </a:p>
@@ -1268,35 +1283,35 @@
           <a:p>
             <a:pPr lvl="0" eaLnBrk="1" latinLnBrk="0" hangingPunct="1"/>
             <a:r>
-              <a:rPr lang="ru-RU" smtClean="0"/>
+              <a:rPr lang="ru-RU"/>
               <a:t>Образец текста</a:t>
             </a:r>
           </a:p>
           <a:p>
             <a:pPr lvl="1" eaLnBrk="1" latinLnBrk="0" hangingPunct="1"/>
             <a:r>
-              <a:rPr lang="ru-RU" smtClean="0"/>
+              <a:rPr lang="ru-RU"/>
               <a:t>Второй уровень</a:t>
             </a:r>
           </a:p>
           <a:p>
             <a:pPr lvl="2" eaLnBrk="1" latinLnBrk="0" hangingPunct="1"/>
             <a:r>
-              <a:rPr lang="ru-RU" smtClean="0"/>
+              <a:rPr lang="ru-RU"/>
               <a:t>Третий уровень</a:t>
             </a:r>
           </a:p>
           <a:p>
             <a:pPr lvl="3" eaLnBrk="1" latinLnBrk="0" hangingPunct="1"/>
             <a:r>
-              <a:rPr lang="ru-RU" smtClean="0"/>
+              <a:rPr lang="ru-RU"/>
               <a:t>Четвертый уровень</a:t>
             </a:r>
           </a:p>
           <a:p>
             <a:pPr lvl="4" eaLnBrk="1" latinLnBrk="0" hangingPunct="1"/>
             <a:r>
-              <a:rPr lang="ru-RU" smtClean="0"/>
+              <a:rPr lang="ru-RU"/>
               <a:t>Пятый уровень</a:t>
             </a:r>
             <a:endParaRPr kumimoji="0" lang="en-US"/>
@@ -1321,7 +1336,7 @@
             <a:fld id="{735973B7-B358-4B73-87B2-BEB43C4D2BDB}" type="datetimeFigureOut">
               <a:rPr lang="ru-RU" smtClean="0"/>
               <a:pPr/>
-              <a:t>04.02.2020</a:t>
+              <a:t>05.02.2020</a:t>
             </a:fld>
             <a:endParaRPr lang="ru-RU"/>
           </a:p>
@@ -1367,7 +1382,7 @@
           <a:lstStyle/>
           <a:p>
             <a:r>
-              <a:rPr kumimoji="0" lang="ru-RU" smtClean="0"/>
+              <a:rPr kumimoji="0" lang="ru-RU"/>
               <a:t>Образец заголовка</a:t>
             </a:r>
             <a:endParaRPr kumimoji="0" lang="en-US"/>
@@ -1430,7 +1445,7 @@
           </a:lstStyle>
           <a:p>
             <a:r>
-              <a:rPr kumimoji="0" lang="ru-RU" smtClean="0"/>
+              <a:rPr kumimoji="0" lang="ru-RU"/>
               <a:t>Образец заголовка</a:t>
             </a:r>
             <a:endParaRPr kumimoji="0" lang="en-US"/>
@@ -1455,7 +1470,7 @@
             <a:fld id="{735973B7-B358-4B73-87B2-BEB43C4D2BDB}" type="datetimeFigureOut">
               <a:rPr lang="ru-RU" smtClean="0"/>
               <a:pPr/>
-              <a:t>04.02.2020</a:t>
+              <a:t>05.02.2020</a:t>
             </a:fld>
             <a:endParaRPr lang="ru-RU"/>
           </a:p>
@@ -1531,35 +1546,35 @@
           <a:p>
             <a:pPr lvl="0" eaLnBrk="1" latinLnBrk="0" hangingPunct="1"/>
             <a:r>
-              <a:rPr lang="ru-RU" smtClean="0"/>
+              <a:rPr lang="ru-RU"/>
               <a:t>Образец текста</a:t>
             </a:r>
           </a:p>
           <a:p>
             <a:pPr lvl="1" eaLnBrk="1" latinLnBrk="0" hangingPunct="1"/>
             <a:r>
-              <a:rPr lang="ru-RU" smtClean="0"/>
+              <a:rPr lang="ru-RU"/>
               <a:t>Второй уровень</a:t>
             </a:r>
           </a:p>
           <a:p>
             <a:pPr lvl="2" eaLnBrk="1" latinLnBrk="0" hangingPunct="1"/>
             <a:r>
-              <a:rPr lang="ru-RU" smtClean="0"/>
+              <a:rPr lang="ru-RU"/>
               <a:t>Третий уровень</a:t>
             </a:r>
           </a:p>
           <a:p>
             <a:pPr lvl="3" eaLnBrk="1" latinLnBrk="0" hangingPunct="1"/>
             <a:r>
-              <a:rPr lang="ru-RU" smtClean="0"/>
+              <a:rPr lang="ru-RU"/>
               <a:t>Четвертый уровень</a:t>
             </a:r>
           </a:p>
           <a:p>
             <a:pPr lvl="4" eaLnBrk="1" latinLnBrk="0" hangingPunct="1"/>
             <a:r>
-              <a:rPr lang="ru-RU" smtClean="0"/>
+              <a:rPr lang="ru-RU"/>
               <a:t>Пятый уровень</a:t>
             </a:r>
             <a:endParaRPr kumimoji="0" lang="en-US"/>
@@ -1883,7 +1898,7 @@
           <a:p>
             <a:pPr lvl="0" eaLnBrk="1" latinLnBrk="0" hangingPunct="1"/>
             <a:r>
-              <a:rPr kumimoji="0" lang="ru-RU" smtClean="0"/>
+              <a:rPr kumimoji="0" lang="ru-RU"/>
               <a:t>Образец текста</a:t>
             </a:r>
           </a:p>
@@ -2000,7 +2015,7 @@
             <a:fld id="{735973B7-B358-4B73-87B2-BEB43C4D2BDB}" type="datetimeFigureOut">
               <a:rPr lang="ru-RU" smtClean="0"/>
               <a:pPr/>
-              <a:t>04.02.2020</a:t>
+              <a:t>05.02.2020</a:t>
             </a:fld>
             <a:endParaRPr lang="ru-RU"/>
           </a:p>
@@ -2209,7 +2224,7 @@
           </a:lstStyle>
           <a:p>
             <a:r>
-              <a:rPr kumimoji="0" lang="ru-RU" smtClean="0"/>
+              <a:rPr kumimoji="0" lang="ru-RU"/>
               <a:t>Образец заголовка</a:t>
             </a:r>
             <a:endParaRPr kumimoji="0" lang="en-US"/>
@@ -2267,7 +2282,7 @@
           <a:lstStyle/>
           <a:p>
             <a:r>
-              <a:rPr kumimoji="0" lang="ru-RU" smtClean="0"/>
+              <a:rPr kumimoji="0" lang="ru-RU"/>
               <a:t>Образец заголовка</a:t>
             </a:r>
             <a:endParaRPr kumimoji="0" lang="en-US"/>
@@ -2297,7 +2312,7 @@
             <a:fld id="{735973B7-B358-4B73-87B2-BEB43C4D2BDB}" type="datetimeFigureOut">
               <a:rPr lang="ru-RU" smtClean="0"/>
               <a:pPr/>
-              <a:t>04.02.2020</a:t>
+              <a:t>05.02.2020</a:t>
             </a:fld>
             <a:endParaRPr lang="ru-RU"/>
           </a:p>
@@ -2408,35 +2423,35 @@
           <a:p>
             <a:pPr lvl="0" eaLnBrk="1" latinLnBrk="0" hangingPunct="1"/>
             <a:r>
-              <a:rPr lang="ru-RU" smtClean="0"/>
+              <a:rPr lang="ru-RU"/>
               <a:t>Образец текста</a:t>
             </a:r>
           </a:p>
           <a:p>
             <a:pPr lvl="1" eaLnBrk="1" latinLnBrk="0" hangingPunct="1"/>
             <a:r>
-              <a:rPr lang="ru-RU" smtClean="0"/>
+              <a:rPr lang="ru-RU"/>
               <a:t>Второй уровень</a:t>
             </a:r>
           </a:p>
           <a:p>
             <a:pPr lvl="2" eaLnBrk="1" latinLnBrk="0" hangingPunct="1"/>
             <a:r>
-              <a:rPr lang="ru-RU" smtClean="0"/>
+              <a:rPr lang="ru-RU"/>
               <a:t>Третий уровень</a:t>
             </a:r>
           </a:p>
           <a:p>
             <a:pPr lvl="3" eaLnBrk="1" latinLnBrk="0" hangingPunct="1"/>
             <a:r>
-              <a:rPr lang="ru-RU" smtClean="0"/>
+              <a:rPr lang="ru-RU"/>
               <a:t>Четвертый уровень</a:t>
             </a:r>
           </a:p>
           <a:p>
             <a:pPr lvl="4" eaLnBrk="1" latinLnBrk="0" hangingPunct="1"/>
             <a:r>
-              <a:rPr lang="ru-RU" smtClean="0"/>
+              <a:rPr lang="ru-RU"/>
               <a:t>Пятый уровень</a:t>
             </a:r>
             <a:endParaRPr kumimoji="0" lang="en-US"/>
@@ -2469,35 +2484,35 @@
           <a:p>
             <a:pPr lvl="0" eaLnBrk="1" latinLnBrk="0" hangingPunct="1"/>
             <a:r>
-              <a:rPr lang="ru-RU" smtClean="0"/>
+              <a:rPr lang="ru-RU"/>
               <a:t>Образец текста</a:t>
             </a:r>
           </a:p>
           <a:p>
             <a:pPr lvl="1" eaLnBrk="1" latinLnBrk="0" hangingPunct="1"/>
             <a:r>
-              <a:rPr lang="ru-RU" smtClean="0"/>
+              <a:rPr lang="ru-RU"/>
               <a:t>Второй уровень</a:t>
             </a:r>
           </a:p>
           <a:p>
             <a:pPr lvl="2" eaLnBrk="1" latinLnBrk="0" hangingPunct="1"/>
             <a:r>
-              <a:rPr lang="ru-RU" smtClean="0"/>
+              <a:rPr lang="ru-RU"/>
               <a:t>Третий уровень</a:t>
             </a:r>
           </a:p>
           <a:p>
             <a:pPr lvl="3" eaLnBrk="1" latinLnBrk="0" hangingPunct="1"/>
             <a:r>
-              <a:rPr lang="ru-RU" smtClean="0"/>
+              <a:rPr lang="ru-RU"/>
               <a:t>Четвертый уровень</a:t>
             </a:r>
           </a:p>
           <a:p>
             <a:pPr lvl="4" eaLnBrk="1" latinLnBrk="0" hangingPunct="1"/>
             <a:r>
-              <a:rPr lang="ru-RU" smtClean="0"/>
+              <a:rPr lang="ru-RU"/>
               <a:t>Пятый уровень</a:t>
             </a:r>
             <a:endParaRPr kumimoji="0" lang="en-US"/>
@@ -2864,7 +2879,7 @@
           <a:p>
             <a:pPr lvl="0" eaLnBrk="1" latinLnBrk="0" hangingPunct="1"/>
             <a:r>
-              <a:rPr kumimoji="0" lang="ru-RU" smtClean="0"/>
+              <a:rPr kumimoji="0" lang="ru-RU"/>
               <a:t>Образец текста</a:t>
             </a:r>
           </a:p>
@@ -2934,7 +2949,7 @@
           <a:p>
             <a:pPr lvl="0" eaLnBrk="1" latinLnBrk="0" hangingPunct="1"/>
             <a:r>
-              <a:rPr kumimoji="0" lang="ru-RU" smtClean="0"/>
+              <a:rPr kumimoji="0" lang="ru-RU"/>
               <a:t>Образец текста</a:t>
             </a:r>
           </a:p>
@@ -2958,7 +2973,7 @@
             <a:fld id="{735973B7-B358-4B73-87B2-BEB43C4D2BDB}" type="datetimeFigureOut">
               <a:rPr lang="ru-RU" smtClean="0"/>
               <a:pPr/>
-              <a:t>04.02.2020</a:t>
+              <a:t>05.02.2020</a:t>
             </a:fld>
             <a:endParaRPr lang="ru-RU"/>
           </a:p>
@@ -3086,35 +3101,35 @@
           <a:p>
             <a:pPr lvl="0" eaLnBrk="1" latinLnBrk="0" hangingPunct="1"/>
             <a:r>
-              <a:rPr lang="ru-RU" smtClean="0"/>
+              <a:rPr lang="ru-RU"/>
               <a:t>Образец текста</a:t>
             </a:r>
           </a:p>
           <a:p>
             <a:pPr lvl="1" eaLnBrk="1" latinLnBrk="0" hangingPunct="1"/>
             <a:r>
-              <a:rPr lang="ru-RU" smtClean="0"/>
+              <a:rPr lang="ru-RU"/>
               <a:t>Второй уровень</a:t>
             </a:r>
           </a:p>
           <a:p>
             <a:pPr lvl="2" eaLnBrk="1" latinLnBrk="0" hangingPunct="1"/>
             <a:r>
-              <a:rPr lang="ru-RU" smtClean="0"/>
+              <a:rPr lang="ru-RU"/>
               <a:t>Третий уровень</a:t>
             </a:r>
           </a:p>
           <a:p>
             <a:pPr lvl="3" eaLnBrk="1" latinLnBrk="0" hangingPunct="1"/>
             <a:r>
-              <a:rPr lang="ru-RU" smtClean="0"/>
+              <a:rPr lang="ru-RU"/>
               <a:t>Четвертый уровень</a:t>
             </a:r>
           </a:p>
           <a:p>
             <a:pPr lvl="4" eaLnBrk="1" latinLnBrk="0" hangingPunct="1"/>
             <a:r>
-              <a:rPr lang="ru-RU" smtClean="0"/>
+              <a:rPr lang="ru-RU"/>
               <a:t>Пятый уровень</a:t>
             </a:r>
             <a:endParaRPr kumimoji="0" lang="en-US"/>
@@ -3143,35 +3158,35 @@
           <a:p>
             <a:pPr lvl="0" eaLnBrk="1" latinLnBrk="0" hangingPunct="1"/>
             <a:r>
-              <a:rPr lang="ru-RU" smtClean="0"/>
+              <a:rPr lang="ru-RU"/>
               <a:t>Образец текста</a:t>
             </a:r>
           </a:p>
           <a:p>
             <a:pPr lvl="1" eaLnBrk="1" latinLnBrk="0" hangingPunct="1"/>
             <a:r>
-              <a:rPr lang="ru-RU" smtClean="0"/>
+              <a:rPr lang="ru-RU"/>
               <a:t>Второй уровень</a:t>
             </a:r>
           </a:p>
           <a:p>
             <a:pPr lvl="2" eaLnBrk="1" latinLnBrk="0" hangingPunct="1"/>
             <a:r>
-              <a:rPr lang="ru-RU" smtClean="0"/>
+              <a:rPr lang="ru-RU"/>
               <a:t>Третий уровень</a:t>
             </a:r>
           </a:p>
           <a:p>
             <a:pPr lvl="3" eaLnBrk="1" latinLnBrk="0" hangingPunct="1"/>
             <a:r>
-              <a:rPr lang="ru-RU" smtClean="0"/>
+              <a:rPr lang="ru-RU"/>
               <a:t>Четвертый уровень</a:t>
             </a:r>
           </a:p>
           <a:p>
             <a:pPr lvl="4" eaLnBrk="1" latinLnBrk="0" hangingPunct="1"/>
             <a:r>
-              <a:rPr lang="ru-RU" smtClean="0"/>
+              <a:rPr lang="ru-RU"/>
               <a:t>Пятый уровень</a:t>
             </a:r>
             <a:endParaRPr kumimoji="0" lang="en-US"/>
@@ -3323,7 +3338,7 @@
           <a:lstStyle/>
           <a:p>
             <a:r>
-              <a:rPr kumimoji="0" lang="ru-RU" smtClean="0"/>
+              <a:rPr kumimoji="0" lang="ru-RU"/>
               <a:t>Образец заголовка</a:t>
             </a:r>
             <a:endParaRPr kumimoji="0" lang="en-US"/>
@@ -3371,7 +3386,7 @@
           <a:lstStyle/>
           <a:p>
             <a:r>
-              <a:rPr kumimoji="0" lang="ru-RU" smtClean="0"/>
+              <a:rPr kumimoji="0" lang="ru-RU"/>
               <a:t>Образец заголовка</a:t>
             </a:r>
             <a:endParaRPr kumimoji="0" lang="en-US"/>
@@ -3396,7 +3411,7 @@
             <a:fld id="{735973B7-B358-4B73-87B2-BEB43C4D2BDB}" type="datetimeFigureOut">
               <a:rPr lang="ru-RU" smtClean="0"/>
               <a:pPr/>
-              <a:t>04.02.2020</a:t>
+              <a:t>05.02.2020</a:t>
             </a:fld>
             <a:endParaRPr lang="ru-RU"/>
           </a:p>
@@ -3711,7 +3726,7 @@
             <a:fld id="{735973B7-B358-4B73-87B2-BEB43C4D2BDB}" type="datetimeFigureOut">
               <a:rPr lang="ru-RU" smtClean="0"/>
               <a:pPr/>
-              <a:t>04.02.2020</a:t>
+              <a:t>05.02.2020</a:t>
             </a:fld>
             <a:endParaRPr lang="ru-RU"/>
           </a:p>
@@ -4061,7 +4076,7 @@
           </a:lstStyle>
           <a:p>
             <a:r>
-              <a:rPr kumimoji="0" lang="ru-RU" smtClean="0"/>
+              <a:rPr kumimoji="0" lang="ru-RU"/>
               <a:t>Образец заголовка</a:t>
             </a:r>
             <a:endParaRPr kumimoji="0" lang="en-US"/>
@@ -4118,7 +4133,7 @@
           <a:p>
             <a:pPr lvl="0" eaLnBrk="1" latinLnBrk="0" hangingPunct="1"/>
             <a:r>
-              <a:rPr kumimoji="0" lang="ru-RU" smtClean="0"/>
+              <a:rPr kumimoji="0" lang="ru-RU"/>
               <a:t>Образец текста</a:t>
             </a:r>
           </a:p>
@@ -4222,35 +4237,35 @@
           <a:p>
             <a:pPr lvl="0" eaLnBrk="1" latinLnBrk="0" hangingPunct="1"/>
             <a:r>
-              <a:rPr lang="ru-RU" smtClean="0"/>
+              <a:rPr lang="ru-RU"/>
               <a:t>Образец текста</a:t>
             </a:r>
           </a:p>
           <a:p>
             <a:pPr lvl="1" eaLnBrk="1" latinLnBrk="0" hangingPunct="1"/>
             <a:r>
-              <a:rPr lang="ru-RU" smtClean="0"/>
+              <a:rPr lang="ru-RU"/>
               <a:t>Второй уровень</a:t>
             </a:r>
           </a:p>
           <a:p>
             <a:pPr lvl="2" eaLnBrk="1" latinLnBrk="0" hangingPunct="1"/>
             <a:r>
-              <a:rPr lang="ru-RU" smtClean="0"/>
+              <a:rPr lang="ru-RU"/>
               <a:t>Третий уровень</a:t>
             </a:r>
           </a:p>
           <a:p>
             <a:pPr lvl="3" eaLnBrk="1" latinLnBrk="0" hangingPunct="1"/>
             <a:r>
-              <a:rPr lang="ru-RU" smtClean="0"/>
+              <a:rPr lang="ru-RU"/>
               <a:t>Четвертый уровень</a:t>
             </a:r>
           </a:p>
           <a:p>
             <a:pPr lvl="4" eaLnBrk="1" latinLnBrk="0" hangingPunct="1"/>
             <a:r>
-              <a:rPr lang="ru-RU" smtClean="0"/>
+              <a:rPr lang="ru-RU"/>
               <a:t>Пятый уровень</a:t>
             </a:r>
             <a:endParaRPr kumimoji="0" lang="en-US"/>
@@ -4446,7 +4461,7 @@
             <a:fld id="{735973B7-B358-4B73-87B2-BEB43C4D2BDB}" type="datetimeFigureOut">
               <a:rPr lang="ru-RU" smtClean="0"/>
               <a:pPr/>
-              <a:t>04.02.2020</a:t>
+              <a:t>05.02.2020</a:t>
             </a:fld>
             <a:endParaRPr lang="ru-RU"/>
           </a:p>
@@ -4960,7 +4975,7 @@
           </a:lstStyle>
           <a:p>
             <a:r>
-              <a:rPr kumimoji="0" lang="ru-RU" smtClean="0"/>
+              <a:rPr kumimoji="0" lang="ru-RU"/>
               <a:t>Образец заголовка</a:t>
             </a:r>
             <a:endParaRPr kumimoji="0" lang="en-US"/>
@@ -4993,7 +5008,7 @@
           </a:lstStyle>
           <a:p>
             <a:r>
-              <a:rPr kumimoji="0" lang="ru-RU" smtClean="0"/>
+              <a:rPr kumimoji="0" lang="ru-RU"/>
               <a:t>Вставка рисунка</a:t>
             </a:r>
             <a:endParaRPr kumimoji="0" lang="en-US" dirty="0"/>
@@ -5047,7 +5062,7 @@
           <a:p>
             <a:pPr lvl="0" eaLnBrk="1" latinLnBrk="0" hangingPunct="1"/>
             <a:r>
-              <a:rPr kumimoji="0" lang="ru-RU" smtClean="0"/>
+              <a:rPr kumimoji="0" lang="ru-RU"/>
               <a:t>Образец текста</a:t>
             </a:r>
           </a:p>
@@ -5112,7 +5127,7 @@
             <a:fld id="{735973B7-B358-4B73-87B2-BEB43C4D2BDB}" type="datetimeFigureOut">
               <a:rPr lang="ru-RU" smtClean="0"/>
               <a:pPr/>
-              <a:t>04.02.2020</a:t>
+              <a:t>05.02.2020</a:t>
             </a:fld>
             <a:endParaRPr lang="ru-RU"/>
           </a:p>
@@ -5386,7 +5401,7 @@
             <a:fld id="{735973B7-B358-4B73-87B2-BEB43C4D2BDB}" type="datetimeFigureOut">
               <a:rPr lang="ru-RU" smtClean="0"/>
               <a:pPr/>
-              <a:t>04.02.2020</a:t>
+              <a:t>05.02.2020</a:t>
             </a:fld>
             <a:endParaRPr lang="ru-RU"/>
           </a:p>
@@ -5669,7 +5684,7 @@
           <a:lstStyle/>
           <a:p>
             <a:r>
-              <a:rPr kumimoji="0" lang="ru-RU" smtClean="0"/>
+              <a:rPr kumimoji="0" lang="ru-RU"/>
               <a:t>Образец заголовка</a:t>
             </a:r>
             <a:endParaRPr kumimoji="0" lang="en-US"/>
@@ -5703,35 +5718,35 @@
           <a:p>
             <a:pPr lvl="0" eaLnBrk="1" latinLnBrk="0" hangingPunct="1"/>
             <a:r>
-              <a:rPr kumimoji="0" lang="ru-RU" smtClean="0"/>
+              <a:rPr kumimoji="0" lang="ru-RU"/>
               <a:t>Образец текста</a:t>
             </a:r>
           </a:p>
           <a:p>
             <a:pPr lvl="1" eaLnBrk="1" latinLnBrk="0" hangingPunct="1"/>
             <a:r>
-              <a:rPr kumimoji="0" lang="ru-RU" smtClean="0"/>
+              <a:rPr kumimoji="0" lang="ru-RU"/>
               <a:t>Второй уровень</a:t>
             </a:r>
           </a:p>
           <a:p>
             <a:pPr lvl="2" eaLnBrk="1" latinLnBrk="0" hangingPunct="1"/>
             <a:r>
-              <a:rPr kumimoji="0" lang="ru-RU" smtClean="0"/>
+              <a:rPr kumimoji="0" lang="ru-RU"/>
               <a:t>Третий уровень</a:t>
             </a:r>
           </a:p>
           <a:p>
             <a:pPr lvl="3" eaLnBrk="1" latinLnBrk="0" hangingPunct="1"/>
             <a:r>
-              <a:rPr kumimoji="0" lang="ru-RU" smtClean="0"/>
+              <a:rPr kumimoji="0" lang="ru-RU"/>
               <a:t>Четвертый уровень</a:t>
             </a:r>
           </a:p>
           <a:p>
             <a:pPr lvl="4" eaLnBrk="1" latinLnBrk="0" hangingPunct="1"/>
             <a:r>
-              <a:rPr kumimoji="0" lang="ru-RU" smtClean="0"/>
+              <a:rPr kumimoji="0" lang="ru-RU"/>
               <a:t>Пятый уровень</a:t>
             </a:r>
             <a:endParaRPr kumimoji="0" lang="en-US"/>
@@ -6083,7 +6098,7 @@
           <a:lstStyle/>
           <a:p>
             <a:r>
-              <a:rPr lang="ru-RU" dirty="0" smtClean="0">
+              <a:rPr lang="ru-RU" dirty="0">
                 <a:solidFill>
                   <a:srgbClr val="363A48"/>
                 </a:solidFill>
@@ -6093,7 +6108,7 @@
           </a:p>
           <a:p>
             <a:r>
-              <a:rPr lang="ru-RU" dirty="0" smtClean="0">
+              <a:rPr lang="ru-RU" dirty="0">
                 <a:solidFill>
                   <a:srgbClr val="363A48"/>
                 </a:solidFill>
@@ -6103,7 +6118,7 @@
           </a:p>
           <a:p>
             <a:r>
-              <a:rPr lang="ru-RU" dirty="0" smtClean="0">
+              <a:rPr lang="ru-RU" dirty="0">
                 <a:solidFill>
                   <a:srgbClr val="363A48"/>
                 </a:solidFill>
@@ -6113,18 +6128,13 @@
           </a:p>
           <a:p>
             <a:r>
-              <a:rPr lang="ru-RU" dirty="0" smtClean="0">
+              <a:rPr lang="ru-RU" dirty="0">
                 <a:solidFill>
                   <a:srgbClr val="363A48"/>
                 </a:solidFill>
               </a:rPr>
               <a:t>Кулагин Илья Сергеевич</a:t>
             </a:r>
-            <a:endParaRPr lang="ru-RU" dirty="0">
-              <a:solidFill>
-                <a:srgbClr val="363A48"/>
-              </a:solidFill>
-            </a:endParaRPr>
           </a:p>
         </p:txBody>
       </p:sp>
@@ -6146,7 +6156,7 @@
           <a:lstStyle/>
           <a:p>
             <a:r>
-              <a:rPr lang="en-US" sz="6000" dirty="0" err="1" smtClean="0"/>
+              <a:rPr lang="en-US" sz="6000" dirty="0" err="1"/>
               <a:t>MazeDog</a:t>
             </a:r>
             <a:endParaRPr lang="ru-RU" sz="6000" dirty="0"/>
@@ -6158,13 +6168,6 @@
   <p:clrMapOvr>
     <a:masterClrMapping/>
   </p:clrMapOvr>
-  <p:timing>
-    <p:tnLst>
-      <p:par>
-        <p:cTn id="1" dur="indefinite" restart="never" nodeType="tmRoot"/>
-      </p:par>
-    </p:tnLst>
-  </p:timing>
 </p:sld>
 </file>
 
@@ -6201,75 +6204,77 @@
           <a:lstStyle/>
           <a:p>
             <a:r>
-              <a:rPr lang="ru-RU" dirty="0" smtClean="0"/>
-              <a:t>Идея</a:t>
-            </a:r>
-            <a:endParaRPr lang="ru-RU" dirty="0"/>
-          </a:p>
-        </p:txBody>
-      </p:sp>
-      <p:sp>
-        <p:nvSpPr>
-          <p:cNvPr id="3" name="Содержимое 2"/>
-          <p:cNvSpPr>
-            <a:spLocks noGrp="1"/>
-          </p:cNvSpPr>
-          <p:nvPr>
-            <p:ph sz="half" idx="1"/>
-          </p:nvPr>
-        </p:nvSpPr>
-        <p:spPr/>
-        <p:txBody>
-          <a:bodyPr/>
-          <a:lstStyle/>
-          <a:p>
-            <a:r>
-              <a:rPr lang="ru-RU" dirty="0" smtClean="0"/>
-              <a:t>*заставка*</a:t>
-            </a:r>
-            <a:endParaRPr lang="ru-RU" dirty="0"/>
-          </a:p>
-        </p:txBody>
-      </p:sp>
-      <p:sp>
-        <p:nvSpPr>
-          <p:cNvPr id="4" name="Содержимое 3"/>
-          <p:cNvSpPr>
-            <a:spLocks noGrp="1"/>
-          </p:cNvSpPr>
-          <p:nvPr>
-            <p:ph sz="half" idx="2"/>
-          </p:nvPr>
-        </p:nvSpPr>
-        <p:spPr/>
-        <p:txBody>
-          <a:bodyPr/>
-          <a:lstStyle/>
-          <a:p>
-            <a:r>
-              <a:rPr lang="ru-RU" dirty="0" smtClean="0"/>
-              <a:t>Создать </a:t>
-            </a:r>
-            <a:r>
-              <a:rPr lang="ru-RU" dirty="0" smtClean="0"/>
-              <a:t>оригинальную игру</a:t>
-            </a:r>
-            <a:endParaRPr lang="ru-RU" dirty="0"/>
-          </a:p>
-        </p:txBody>
-      </p:sp>
+              <a:rPr lang="ru-RU" dirty="0"/>
+              <a:t>Структура: основная игра</a:t>
+            </a:r>
+          </a:p>
+        </p:txBody>
+      </p:sp>
+      <p:pic>
+        <p:nvPicPr>
+          <p:cNvPr id="6" name="Рисунок 5">
+            <a:extLst>
+              <a:ext uri="{FF2B5EF4-FFF2-40B4-BE49-F238E27FC236}">
+                <a16:creationId xmlns:a16="http://schemas.microsoft.com/office/drawing/2014/main" id="{EAA75E95-1B34-4752-8525-CFE7A451489C}"/>
+              </a:ext>
+            </a:extLst>
+          </p:cNvPr>
+          <p:cNvPicPr>
+            <a:picLocks noChangeAspect="1"/>
+          </p:cNvPicPr>
+          <p:nvPr/>
+        </p:nvPicPr>
+        <p:blipFill>
+          <a:blip r:embed="rId2"/>
+          <a:stretch>
+            <a:fillRect/>
+          </a:stretch>
+        </p:blipFill>
+        <p:spPr>
+          <a:xfrm>
+            <a:off x="466361" y="2060848"/>
+            <a:ext cx="3848433" cy="3825572"/>
+          </a:xfrm>
+          <a:prstGeom prst="rect">
+            <a:avLst/>
+          </a:prstGeom>
+        </p:spPr>
+      </p:pic>
+      <p:pic>
+        <p:nvPicPr>
+          <p:cNvPr id="7" name="Рисунок 6">
+            <a:extLst>
+              <a:ext uri="{FF2B5EF4-FFF2-40B4-BE49-F238E27FC236}">
+                <a16:creationId xmlns:a16="http://schemas.microsoft.com/office/drawing/2014/main" id="{BE52DA84-B556-4EF2-9B30-EE444C4F92B7}"/>
+              </a:ext>
+            </a:extLst>
+          </p:cNvPr>
+          <p:cNvPicPr>
+            <a:picLocks noChangeAspect="1"/>
+          </p:cNvPicPr>
+          <p:nvPr/>
+        </p:nvPicPr>
+        <p:blipFill>
+          <a:blip r:embed="rId3"/>
+          <a:stretch>
+            <a:fillRect/>
+          </a:stretch>
+        </p:blipFill>
+        <p:spPr>
+          <a:xfrm>
+            <a:off x="4895683" y="2059834"/>
+            <a:ext cx="3848433" cy="3817951"/>
+          </a:xfrm>
+          <a:prstGeom prst="rect">
+            <a:avLst/>
+          </a:prstGeom>
+        </p:spPr>
+      </p:pic>
     </p:spTree>
   </p:cSld>
   <p:clrMapOvr>
     <a:masterClrMapping/>
   </p:clrMapOvr>
-  <p:timing>
-    <p:tnLst>
-      <p:par>
-        <p:cTn id="1" dur="indefinite" restart="never" nodeType="tmRoot"/>
-      </p:par>
-    </p:tnLst>
-  </p:timing>
 </p:sld>
 </file>
 
@@ -6306,115 +6311,17 @@
           <a:lstStyle/>
           <a:p>
             <a:r>
-              <a:rPr lang="ru-RU" dirty="0" smtClean="0"/>
-              <a:t>Структура: основная игра</a:t>
-            </a:r>
-            <a:endParaRPr lang="ru-RU" dirty="0"/>
-          </a:p>
-        </p:txBody>
-      </p:sp>
-      <p:sp>
-        <p:nvSpPr>
-          <p:cNvPr id="3" name="Содержимое 2"/>
-          <p:cNvSpPr>
-            <a:spLocks noGrp="1"/>
-          </p:cNvSpPr>
-          <p:nvPr>
-            <p:ph sz="half" idx="1"/>
-          </p:nvPr>
-        </p:nvSpPr>
-        <p:spPr/>
-        <p:txBody>
-          <a:bodyPr/>
-          <a:lstStyle/>
-          <a:p>
-            <a:r>
-              <a:rPr lang="ru-RU" dirty="0" smtClean="0"/>
-              <a:t>*два твоих </a:t>
-            </a:r>
-            <a:r>
-              <a:rPr lang="ru-RU" dirty="0" err="1" smtClean="0"/>
-              <a:t>скрина</a:t>
-            </a:r>
-            <a:r>
-              <a:rPr lang="ru-RU" dirty="0" smtClean="0"/>
-              <a:t>*</a:t>
-            </a:r>
-            <a:endParaRPr lang="ru-RU" dirty="0"/>
-          </a:p>
-        </p:txBody>
-      </p:sp>
-      <p:sp>
-        <p:nvSpPr>
-          <p:cNvPr id="4" name="Содержимое 3"/>
-          <p:cNvSpPr>
-            <a:spLocks noGrp="1"/>
-          </p:cNvSpPr>
-          <p:nvPr>
-            <p:ph sz="half" idx="2"/>
-          </p:nvPr>
-        </p:nvSpPr>
-        <p:spPr/>
-        <p:txBody>
-          <a:bodyPr/>
-          <a:lstStyle/>
-          <a:p>
-            <a:endParaRPr lang="ru-RU"/>
-          </a:p>
-        </p:txBody>
-      </p:sp>
-    </p:spTree>
-  </p:cSld>
-  <p:clrMapOvr>
-    <a:masterClrMapping/>
-  </p:clrMapOvr>
-  <p:timing>
-    <p:tnLst>
-      <p:par>
-        <p:cTn id="1" dur="indefinite" restart="never" nodeType="tmRoot"/>
-      </p:par>
-    </p:tnLst>
-  </p:timing>
-</p:sld>
-</file>
-
-<file path=ppt/slides/slide4.xml><?xml version="1.0" encoding="utf-8"?>
-<p:sld xmlns:a="http://schemas.openxmlformats.org/drawingml/2006/main" xmlns:r="http://schemas.openxmlformats.org/officeDocument/2006/relationships" xmlns:p="http://schemas.openxmlformats.org/presentationml/2006/main">
-  <p:cSld>
-    <p:spTree>
-      <p:nvGrpSpPr>
-        <p:cNvPr id="1" name=""/>
-        <p:cNvGrpSpPr/>
-        <p:nvPr/>
-      </p:nvGrpSpPr>
-      <p:grpSpPr>
-        <a:xfrm>
-          <a:off x="0" y="0"/>
-          <a:ext cx="0" cy="0"/>
-          <a:chOff x="0" y="0"/>
-          <a:chExt cx="0" cy="0"/>
-        </a:xfrm>
-      </p:grpSpPr>
-      <p:sp>
-        <p:nvSpPr>
-          <p:cNvPr id="2" name="Заголовок 1"/>
-          <p:cNvSpPr>
-            <a:spLocks noGrp="1"/>
-          </p:cNvSpPr>
-          <p:nvPr>
-            <p:ph type="title"/>
-          </p:nvPr>
-        </p:nvSpPr>
-        <p:spPr/>
-        <p:txBody>
-          <a:bodyPr/>
-          <a:lstStyle/>
-          <a:p>
-            <a:r>
-              <a:rPr lang="ru-RU" dirty="0" smtClean="0"/>
+              <a:rPr lang="ru-RU" dirty="0"/>
               <a:t>Структура</a:t>
             </a:r>
-            <a:endParaRPr lang="ru-RU" dirty="0"/>
+            <a:r>
+              <a:rPr lang="en-US" dirty="0"/>
+              <a:t>:</a:t>
+            </a:r>
+            <a:r>
+              <a:rPr lang="ru-RU" dirty="0"/>
+              <a:t> вложенная игра</a:t>
+            </a:r>
           </a:p>
         </p:txBody>
       </p:sp>
@@ -6491,13 +6398,6 @@
   <p:clrMapOvr>
     <a:masterClrMapping/>
   </p:clrMapOvr>
-  <p:timing>
-    <p:tnLst>
-      <p:par>
-        <p:cTn id="1" dur="indefinite" restart="never" nodeType="tmRoot"/>
-      </p:par>
-    </p:tnLst>
-  </p:timing>
 </p:sld>
 </file>
 
